--- a/Projektarbeit - Abgeschlossen/Präsentation 1.pptx
+++ b/Projektarbeit - Abgeschlossen/Präsentation 1.pptx
@@ -13777,6 +13777,66 @@
           </a:prstGeom>
         </p:spPr>
       </p:pic>
+      <p:pic>
+        <p:nvPicPr>
+          <p:cNvPr id="11" name="Grafik 10">
+            <a:extLst>
+              <a:ext uri="{FF2B5EF4-FFF2-40B4-BE49-F238E27FC236}">
+                <a16:creationId xmlns:a16="http://schemas.microsoft.com/office/drawing/2014/main" id="{8C6425A8-08B6-464C-AC3E-6160902680B3}"/>
+              </a:ext>
+            </a:extLst>
+          </p:cNvPr>
+          <p:cNvPicPr>
+            <a:picLocks noChangeAspect="1"/>
+          </p:cNvPicPr>
+          <p:nvPr/>
+        </p:nvPicPr>
+        <p:blipFill>
+          <a:blip r:embed="rId3"/>
+          <a:stretch>
+            <a:fillRect/>
+          </a:stretch>
+        </p:blipFill>
+        <p:spPr>
+          <a:xfrm>
+            <a:off x="1338927" y="1599744"/>
+            <a:ext cx="9777307" cy="5258256"/>
+          </a:xfrm>
+          <a:prstGeom prst="rect">
+            <a:avLst/>
+          </a:prstGeom>
+        </p:spPr>
+      </p:pic>
+      <p:pic>
+        <p:nvPicPr>
+          <p:cNvPr id="8" name="Grafik 7">
+            <a:extLst>
+              <a:ext uri="{FF2B5EF4-FFF2-40B4-BE49-F238E27FC236}">
+                <a16:creationId xmlns:a16="http://schemas.microsoft.com/office/drawing/2014/main" id="{67BAB927-266B-45CA-98AC-C480F36ED1D2}"/>
+              </a:ext>
+            </a:extLst>
+          </p:cNvPr>
+          <p:cNvPicPr>
+            <a:picLocks noChangeAspect="1"/>
+          </p:cNvPicPr>
+          <p:nvPr/>
+        </p:nvPicPr>
+        <p:blipFill>
+          <a:blip r:embed="rId4"/>
+          <a:stretch>
+            <a:fillRect/>
+          </a:stretch>
+        </p:blipFill>
+        <p:spPr>
+          <a:xfrm>
+            <a:off x="1075766" y="1546324"/>
+            <a:ext cx="10219229" cy="5365096"/>
+          </a:xfrm>
+          <a:prstGeom prst="rect">
+            <a:avLst/>
+          </a:prstGeom>
+        </p:spPr>
+      </p:pic>
     </p:spTree>
     <p:extLst>
       <p:ext uri="{BB962C8B-B14F-4D97-AF65-F5344CB8AC3E}">
@@ -13787,6 +13847,142 @@
   <p:clrMapOvr>
     <a:masterClrMapping/>
   </p:clrMapOvr>
+  <p:timing>
+    <p:tnLst>
+      <p:par>
+        <p:cTn id="1" dur="indefinite" restart="never" nodeType="tmRoot">
+          <p:childTnLst>
+            <p:seq concurrent="1" nextAc="seek">
+              <p:cTn id="2" dur="indefinite" nodeType="mainSeq">
+                <p:childTnLst>
+                  <p:par>
+                    <p:cTn id="3" fill="hold">
+                      <p:stCondLst>
+                        <p:cond delay="indefinite"/>
+                      </p:stCondLst>
+                      <p:childTnLst>
+                        <p:par>
+                          <p:cTn id="4" fill="hold">
+                            <p:stCondLst>
+                              <p:cond delay="0"/>
+                            </p:stCondLst>
+                            <p:childTnLst>
+                              <p:par>
+                                <p:cTn id="5" presetID="16" presetClass="exit" presetSubtype="37" fill="hold" nodeType="clickEffect">
+                                  <p:stCondLst>
+                                    <p:cond delay="0"/>
+                                  </p:stCondLst>
+                                  <p:childTnLst>
+                                    <p:animEffect transition="out" filter="barn(outVertical)">
+                                      <p:cBhvr>
+                                        <p:cTn id="6" dur="500"/>
+                                        <p:tgtEl>
+                                          <p:spTgt spid="8"/>
+                                        </p:tgtEl>
+                                      </p:cBhvr>
+                                    </p:animEffect>
+                                    <p:set>
+                                      <p:cBhvr>
+                                        <p:cTn id="7" dur="1" fill="hold">
+                                          <p:stCondLst>
+                                            <p:cond delay="499"/>
+                                          </p:stCondLst>
+                                        </p:cTn>
+                                        <p:tgtEl>
+                                          <p:spTgt spid="8"/>
+                                        </p:tgtEl>
+                                        <p:attrNameLst>
+                                          <p:attrName>style.visibility</p:attrName>
+                                        </p:attrNameLst>
+                                      </p:cBhvr>
+                                      <p:to>
+                                        <p:strVal val="hidden"/>
+                                      </p:to>
+                                    </p:set>
+                                  </p:childTnLst>
+                                </p:cTn>
+                              </p:par>
+                            </p:childTnLst>
+                          </p:cTn>
+                        </p:par>
+                      </p:childTnLst>
+                    </p:cTn>
+                  </p:par>
+                  <p:par>
+                    <p:cTn id="8" fill="hold">
+                      <p:stCondLst>
+                        <p:cond delay="indefinite"/>
+                      </p:stCondLst>
+                      <p:childTnLst>
+                        <p:par>
+                          <p:cTn id="9" fill="hold">
+                            <p:stCondLst>
+                              <p:cond delay="0"/>
+                            </p:stCondLst>
+                            <p:childTnLst>
+                              <p:par>
+                                <p:cTn id="10" presetID="6" presetClass="exit" presetSubtype="32" fill="hold" nodeType="clickEffect">
+                                  <p:stCondLst>
+                                    <p:cond delay="0"/>
+                                  </p:stCondLst>
+                                  <p:childTnLst>
+                                    <p:animEffect transition="out" filter="circle(out)">
+                                      <p:cBhvr>
+                                        <p:cTn id="11" dur="2000"/>
+                                        <p:tgtEl>
+                                          <p:spTgt spid="11"/>
+                                        </p:tgtEl>
+                                      </p:cBhvr>
+                                    </p:animEffect>
+                                    <p:set>
+                                      <p:cBhvr>
+                                        <p:cTn id="12" dur="1" fill="hold">
+                                          <p:stCondLst>
+                                            <p:cond delay="1999"/>
+                                          </p:stCondLst>
+                                        </p:cTn>
+                                        <p:tgtEl>
+                                          <p:spTgt spid="11"/>
+                                        </p:tgtEl>
+                                        <p:attrNameLst>
+                                          <p:attrName>style.visibility</p:attrName>
+                                        </p:attrNameLst>
+                                      </p:cBhvr>
+                                      <p:to>
+                                        <p:strVal val="hidden"/>
+                                      </p:to>
+                                    </p:set>
+                                  </p:childTnLst>
+                                </p:cTn>
+                              </p:par>
+                            </p:childTnLst>
+                          </p:cTn>
+                        </p:par>
+                      </p:childTnLst>
+                    </p:cTn>
+                  </p:par>
+                </p:childTnLst>
+              </p:cTn>
+              <p:prevCondLst>
+                <p:cond evt="onPrev" delay="0">
+                  <p:tgtEl>
+                    <p:sldTgt/>
+                  </p:tgtEl>
+                </p:cond>
+              </p:prevCondLst>
+              <p:nextCondLst>
+                <p:cond evt="onNext" delay="0">
+                  <p:tgtEl>
+                    <p:sldTgt/>
+                  </p:tgtEl>
+                </p:cond>
+              </p:nextCondLst>
+            </p:seq>
+          </p:childTnLst>
+        </p:cTn>
+      </p:par>
+    </p:tnLst>
+  </p:timing>
 </p:sld>
 </file>
 
@@ -14149,6 +14345,195 @@
   <p:clrMapOvr>
     <a:masterClrMapping/>
   </p:clrMapOvr>
+  <p:timing>
+    <p:tnLst>
+      <p:par>
+        <p:cTn id="1" dur="indefinite" restart="never" nodeType="tmRoot">
+          <p:childTnLst>
+            <p:seq concurrent="1" nextAc="seek">
+              <p:cTn id="2" dur="indefinite" nodeType="mainSeq">
+                <p:childTnLst>
+                  <p:par>
+                    <p:cTn id="3" fill="hold">
+                      <p:stCondLst>
+                        <p:cond delay="indefinite"/>
+                      </p:stCondLst>
+                      <p:childTnLst>
+                        <p:par>
+                          <p:cTn id="4" fill="hold">
+                            <p:stCondLst>
+                              <p:cond delay="0"/>
+                            </p:stCondLst>
+                            <p:childTnLst>
+                              <p:par>
+                                <p:cTn id="5" presetID="22" presetClass="entr" presetSubtype="1" fill="hold" nodeType="clickEffect">
+                                  <p:stCondLst>
+                                    <p:cond delay="0"/>
+                                  </p:stCondLst>
+                                  <p:childTnLst>
+                                    <p:set>
+                                      <p:cBhvr>
+                                        <p:cTn id="6" dur="1" fill="hold">
+                                          <p:stCondLst>
+                                            <p:cond delay="0"/>
+                                          </p:stCondLst>
+                                        </p:cTn>
+                                        <p:tgtEl>
+                                          <p:spTgt spid="4"/>
+                                        </p:tgtEl>
+                                        <p:attrNameLst>
+                                          <p:attrName>style.visibility</p:attrName>
+                                        </p:attrNameLst>
+                                      </p:cBhvr>
+                                      <p:to>
+                                        <p:strVal val="visible"/>
+                                      </p:to>
+                                    </p:set>
+                                    <p:animEffect transition="in" filter="wipe(up)">
+                                      <p:cBhvr>
+                                        <p:cTn id="7" dur="500"/>
+                                        <p:tgtEl>
+                                          <p:spTgt spid="4"/>
+                                        </p:tgtEl>
+                                      </p:cBhvr>
+                                    </p:animEffect>
+                                  </p:childTnLst>
+                                </p:cTn>
+                              </p:par>
+                            </p:childTnLst>
+                          </p:cTn>
+                        </p:par>
+                      </p:childTnLst>
+                    </p:cTn>
+                  </p:par>
+                  <p:par>
+                    <p:cTn id="8" fill="hold">
+                      <p:stCondLst>
+                        <p:cond delay="indefinite"/>
+                      </p:stCondLst>
+                      <p:childTnLst>
+                        <p:par>
+                          <p:cTn id="9" fill="hold">
+                            <p:stCondLst>
+                              <p:cond delay="0"/>
+                            </p:stCondLst>
+                            <p:childTnLst>
+                              <p:par>
+                                <p:cTn id="10" presetID="22" presetClass="entr" presetSubtype="1" fill="hold" nodeType="clickEffect">
+                                  <p:stCondLst>
+                                    <p:cond delay="0"/>
+                                  </p:stCondLst>
+                                  <p:childTnLst>
+                                    <p:set>
+                                      <p:cBhvr>
+                                        <p:cTn id="11" dur="1" fill="hold">
+                                          <p:stCondLst>
+                                            <p:cond delay="0"/>
+                                          </p:stCondLst>
+                                        </p:cTn>
+                                        <p:tgtEl>
+                                          <p:spTgt spid="8"/>
+                                        </p:tgtEl>
+                                        <p:attrNameLst>
+                                          <p:attrName>style.visibility</p:attrName>
+                                        </p:attrNameLst>
+                                      </p:cBhvr>
+                                      <p:to>
+                                        <p:strVal val="visible"/>
+                                      </p:to>
+                                    </p:set>
+                                    <p:animEffect transition="in" filter="wipe(up)">
+                                      <p:cBhvr>
+                                        <p:cTn id="12" dur="500"/>
+                                        <p:tgtEl>
+                                          <p:spTgt spid="8"/>
+                                        </p:tgtEl>
+                                      </p:cBhvr>
+                                    </p:animEffect>
+                                  </p:childTnLst>
+                                </p:cTn>
+                              </p:par>
+                            </p:childTnLst>
+                          </p:cTn>
+                        </p:par>
+                      </p:childTnLst>
+                    </p:cTn>
+                  </p:par>
+                  <p:par>
+                    <p:cTn id="13" fill="hold">
+                      <p:stCondLst>
+                        <p:cond delay="indefinite"/>
+                      </p:stCondLst>
+                      <p:childTnLst>
+                        <p:par>
+                          <p:cTn id="14" fill="hold">
+                            <p:stCondLst>
+                              <p:cond delay="0"/>
+                            </p:stCondLst>
+                            <p:childTnLst>
+                              <p:par>
+                                <p:cTn id="15" presetID="22" presetClass="entr" presetSubtype="1" fill="hold" nodeType="clickEffect">
+                                  <p:stCondLst>
+                                    <p:cond delay="0"/>
+                                  </p:stCondLst>
+                                  <p:childTnLst>
+                                    <p:set>
+                                      <p:cBhvr>
+                                        <p:cTn id="16" dur="1" fill="hold">
+                                          <p:stCondLst>
+                                            <p:cond delay="0"/>
+                                          </p:stCondLst>
+                                        </p:cTn>
+                                        <p:tgtEl>
+                                          <p:spTgt spid="10"/>
+                                        </p:tgtEl>
+                                        <p:attrNameLst>
+                                          <p:attrName>style.visibility</p:attrName>
+                                        </p:attrNameLst>
+                                      </p:cBhvr>
+                                      <p:to>
+                                        <p:strVal val="visible"/>
+                                      </p:to>
+                                    </p:set>
+                                    <p:animEffect transition="in" filter="wipe(up)">
+                                      <p:cBhvr>
+                                        <p:cTn id="17" dur="500"/>
+                                        <p:tgtEl>
+                                          <p:spTgt spid="10"/>
+                                        </p:tgtEl>
+                                      </p:cBhvr>
+                                    </p:animEffect>
+                                  </p:childTnLst>
+                                </p:cTn>
+                              </p:par>
+                            </p:childTnLst>
+                          </p:cTn>
+                        </p:par>
+                      </p:childTnLst>
+                    </p:cTn>
+                  </p:par>
+                </p:childTnLst>
+              </p:cTn>
+              <p:prevCondLst>
+                <p:cond evt="onPrev" delay="0">
+                  <p:tgtEl>
+                    <p:sldTgt/>
+                  </p:tgtEl>
+                </p:cond>
+              </p:prevCondLst>
+              <p:nextCondLst>
+                <p:cond evt="onNext" delay="0">
+                  <p:tgtEl>
+                    <p:sldTgt/>
+                  </p:tgtEl>
+                </p:cond>
+              </p:nextCondLst>
+            </p:seq>
+          </p:childTnLst>
+        </p:cTn>
+      </p:par>
+    </p:tnLst>
+  </p:timing>
 </p:sld>
 </file>
 
